--- a/DistribuidoraSur.pptx
+++ b/DistribuidoraSur.pptx
@@ -7780,7 +7780,7 @@
           <a:p>
             <a:r>
               <a:rPr lang="en-GT" dirty="0"/>
-              <a:t>Clientes que no queremos</a:t>
+              <a:t>Cliente que no queremos</a:t>
             </a:r>
           </a:p>
         </p:txBody>
